--- a/Experiments/02_LED_ANIMATION/ppt/02_led_animace_for_pole.pptx
+++ b/Experiments/02_LED_ANIMATION/ppt/02_led_animace_for_pole.pptx
@@ -222,7 +222,7 @@
           <a:p>
             <a:fld id="{4D4CD106-0280-324C-A42B-4E18AB917999}" type="datetimeFigureOut">
               <a:rPr lang="cs-CZ" smtClean="0"/>
-              <a:t>03.03.18</a:t>
+              <a:t>28.06.18</a:t>
             </a:fld>
             <a:endParaRPr lang="cs-CZ"/>
           </a:p>
@@ -7150,18 +7150,7 @@
                 <a:ea typeface="Andale Mono" charset="0"/>
                 <a:cs typeface="Andale Mono" charset="0"/>
               </a:rPr>
-              <a:t> </a:t>
-            </a:r>
-            <a:r>
-              <a:rPr lang="en-US" altLang="ko-KR" sz="1800" b="1" dirty="0" smtClean="0">
-                <a:solidFill>
-                  <a:schemeClr val="bg1"/>
-                </a:solidFill>
-                <a:latin typeface="Andale Mono" charset="0"/>
-                <a:ea typeface="Andale Mono" charset="0"/>
-                <a:cs typeface="Andale Mono" charset="0"/>
-              </a:rPr>
-              <a:t>for</a:t>
+              <a:t> for</a:t>
             </a:r>
             <a:endParaRPr lang="ko-KR" altLang="en-US" sz="1800" b="1" dirty="0">
               <a:solidFill>
@@ -7509,7 +7498,7 @@
           <a:graphicData uri="http://schemas.openxmlformats.org/presentationml/2006/ole">
             <mc:AlternateContent xmlns:mc="http://schemas.openxmlformats.org/markup-compatibility/2006">
               <mc:Choice xmlns:v="urn:schemas-microsoft-com:vml" Requires="v">
-                <p:oleObj spid="_x0000_s1069" name="Dokument" r:id="rId5" imgW="5969000" imgH="1117600" progId="Word.Document.12">
+                <p:oleObj spid="_x0000_s1074" name="Dokument" r:id="rId5" imgW="5969000" imgH="1117600" progId="Word.Document.12">
                   <p:embed/>
                 </p:oleObj>
               </mc:Choice>
@@ -7566,7 +7555,7 @@
           <a:graphicData uri="http://schemas.openxmlformats.org/presentationml/2006/ole">
             <mc:AlternateContent xmlns:mc="http://schemas.openxmlformats.org/markup-compatibility/2006">
               <mc:Choice xmlns:v="urn:schemas-microsoft-com:vml" Requires="v">
-                <p:oleObj spid="_x0000_s1070" name="Dokument" r:id="rId7" imgW="5575300" imgH="1536700" progId="Word.Document.12">
+                <p:oleObj spid="_x0000_s1075" name="Dokument" r:id="rId7" imgW="5575300" imgH="1536700" progId="Word.Document.12">
                   <p:embed/>
                 </p:oleObj>
               </mc:Choice>
@@ -8345,11 +8334,6 @@
               </a:rPr>
               <a:t>().</a:t>
             </a:r>
-            <a:endParaRPr lang="cs-CZ" sz="1200" dirty="0">
-              <a:latin typeface="Andale Mono" charset="0"/>
-              <a:ea typeface="Andale Mono" charset="0"/>
-              <a:cs typeface="Andale Mono" charset="0"/>
-            </a:endParaRPr>
           </a:p>
         </p:txBody>
       </p:sp>
@@ -8695,18 +8679,7 @@
                 <a:ea typeface="Andale Mono" charset="0"/>
                 <a:cs typeface="Andale Mono" charset="0"/>
               </a:rPr>
-              <a:t> </a:t>
-            </a:r>
-            <a:r>
-              <a:rPr lang="en-US" altLang="ko-KR" sz="1800" b="1" dirty="0" smtClean="0">
-                <a:solidFill>
-                  <a:schemeClr val="bg1"/>
-                </a:solidFill>
-                <a:latin typeface="Andale Mono" charset="0"/>
-                <a:ea typeface="Andale Mono" charset="0"/>
-                <a:cs typeface="Andale Mono" charset="0"/>
-              </a:rPr>
-              <a:t>pro </a:t>
+              <a:t> pro </a:t>
             </a:r>
             <a:br>
               <a:rPr lang="en-US" altLang="ko-KR" sz="1800" b="1" dirty="0" smtClean="0">
@@ -8895,14 +8868,6 @@
               </a:rPr>
               <a:t> a světlo diod probíhalo z jedné strany na druhou, neustále dokola.</a:t>
             </a:r>
-            <a:endParaRPr lang="cs-CZ" sz="1600" dirty="0">
-              <a:solidFill>
-                <a:srgbClr val="AB7942"/>
-              </a:solidFill>
-              <a:latin typeface="Andale Mono" charset="0"/>
-              <a:ea typeface="Andale Mono" charset="0"/>
-              <a:cs typeface="Andale Mono" charset="0"/>
-            </a:endParaRPr>
           </a:p>
         </p:txBody>
       </p:sp>
@@ -8958,7 +8923,7 @@
           <a:graphicData uri="http://schemas.openxmlformats.org/presentationml/2006/ole">
             <mc:AlternateContent xmlns:mc="http://schemas.openxmlformats.org/markup-compatibility/2006">
               <mc:Choice xmlns:v="urn:schemas-microsoft-com:vml" Requires="v">
-                <p:oleObj spid="_x0000_s18465" name="Dokument" r:id="rId5" imgW="6413500" imgH="2768600" progId="Word.Document.12">
+                <p:oleObj spid="_x0000_s18470" name="Dokument" r:id="rId5" imgW="6413500" imgH="2768600" progId="Word.Document.12">
                   <p:embed/>
                 </p:oleObj>
               </mc:Choice>
@@ -9015,7 +8980,7 @@
           <a:graphicData uri="http://schemas.openxmlformats.org/presentationml/2006/ole">
             <mc:AlternateContent xmlns:mc="http://schemas.openxmlformats.org/markup-compatibility/2006">
               <mc:Choice xmlns:v="urn:schemas-microsoft-com:vml" Requires="v">
-                <p:oleObj spid="_x0000_s18466" name="Dokument" r:id="rId7" imgW="5575300" imgH="1206500" progId="Word.Document.12">
+                <p:oleObj spid="_x0000_s18471" name="Dokument" r:id="rId7" imgW="5575300" imgH="1206500" progId="Word.Document.12">
                   <p:embed/>
                 </p:oleObj>
               </mc:Choice>
@@ -9459,18 +9424,7 @@
                 <a:ea typeface="Andale Mono" charset="0"/>
                 <a:cs typeface="Andale Mono" charset="0"/>
               </a:rPr>
-              <a:t> </a:t>
-            </a:r>
-            <a:r>
-              <a:rPr lang="en-US" altLang="ko-KR" sz="1800" b="1" dirty="0" smtClean="0">
-                <a:solidFill>
-                  <a:schemeClr val="bg1"/>
-                </a:solidFill>
-                <a:latin typeface="Andale Mono" charset="0"/>
-                <a:ea typeface="Andale Mono" charset="0"/>
-                <a:cs typeface="Andale Mono" charset="0"/>
-              </a:rPr>
-              <a:t>pro </a:t>
+              <a:t> pro </a:t>
             </a:r>
             <a:br>
               <a:rPr lang="en-US" altLang="ko-KR" sz="1800" b="1" dirty="0" smtClean="0">
@@ -9637,14 +9591,6 @@
               </a:rPr>
               <a:t>Upravte programový kód tak, aby se běžící světlo pohybovalo z jedné strany na druhou a zpět.</a:t>
             </a:r>
-            <a:endParaRPr lang="cs-CZ" sz="1600" dirty="0">
-              <a:solidFill>
-                <a:srgbClr val="AB7942"/>
-              </a:solidFill>
-              <a:latin typeface="Andale Mono" charset="0"/>
-              <a:ea typeface="Andale Mono" charset="0"/>
-              <a:cs typeface="Andale Mono" charset="0"/>
-            </a:endParaRPr>
           </a:p>
         </p:txBody>
       </p:sp>
@@ -9700,7 +9646,7 @@
           <a:graphicData uri="http://schemas.openxmlformats.org/presentationml/2006/ole">
             <mc:AlternateContent xmlns:mc="http://schemas.openxmlformats.org/markup-compatibility/2006">
               <mc:Choice xmlns:v="urn:schemas-microsoft-com:vml" Requires="v">
-                <p:oleObj spid="_x0000_s19485" name="Dokument" r:id="rId5" imgW="6413500" imgH="1778000" progId="Word.Document.12">
+                <p:oleObj spid="_x0000_s19490" name="Dokument" r:id="rId5" imgW="6413500" imgH="1778000" progId="Word.Document.12">
                   <p:embed/>
                 </p:oleObj>
               </mc:Choice>
@@ -9757,7 +9703,7 @@
           <a:graphicData uri="http://schemas.openxmlformats.org/presentationml/2006/ole">
             <mc:AlternateContent xmlns:mc="http://schemas.openxmlformats.org/markup-compatibility/2006">
               <mc:Choice xmlns:v="urn:schemas-microsoft-com:vml" Requires="v">
-                <p:oleObj spid="_x0000_s19486" name="Dokument" r:id="rId7" imgW="5575300" imgH="3022600" progId="Word.Document.12">
+                <p:oleObj spid="_x0000_s19491" name="Dokument" r:id="rId7" imgW="5575300" imgH="3022600" progId="Word.Document.12">
                   <p:embed/>
                 </p:oleObj>
               </mc:Choice>
@@ -10200,7 +10146,7 @@
           <a:graphicData uri="http://schemas.openxmlformats.org/presentationml/2006/ole">
             <mc:AlternateContent xmlns:mc="http://schemas.openxmlformats.org/markup-compatibility/2006">
               <mc:Choice xmlns:v="urn:schemas-microsoft-com:vml" Requires="v">
-                <p:oleObj spid="_x0000_s5278" name="Dokument" r:id="rId5" imgW="5969000" imgH="1727200" progId="Word.Document.12">
+                <p:oleObj spid="_x0000_s5281" name="Dokument" r:id="rId5" imgW="5969000" imgH="1727200" progId="Word.Document.12">
                   <p:embed/>
                 </p:oleObj>
               </mc:Choice>
@@ -10542,18 +10488,7 @@
                 <a:ea typeface="Andale Mono" charset="0"/>
                 <a:cs typeface="Andale Mono" charset="0"/>
               </a:rPr>
-              <a:t> </a:t>
-            </a:r>
-            <a:r>
-              <a:rPr lang="en-US" altLang="ko-KR" sz="1800" b="1" dirty="0" smtClean="0">
-                <a:solidFill>
-                  <a:schemeClr val="bg1"/>
-                </a:solidFill>
-                <a:latin typeface="Andale Mono" charset="0"/>
-                <a:ea typeface="Andale Mono" charset="0"/>
-                <a:cs typeface="Andale Mono" charset="0"/>
-              </a:rPr>
-              <a:t>pro </a:t>
+              <a:t> pro </a:t>
             </a:r>
             <a:br>
               <a:rPr lang="en-US" altLang="ko-KR" sz="1800" b="1" dirty="0" smtClean="0">
@@ -11118,18 +11053,7 @@
                 <a:ea typeface="Andale Mono" charset="0"/>
                 <a:cs typeface="Andale Mono" charset="0"/>
               </a:rPr>
-              <a:t> </a:t>
-            </a:r>
-            <a:r>
-              <a:rPr lang="en-US" altLang="ko-KR" sz="1800" b="1" dirty="0" smtClean="0">
-                <a:solidFill>
-                  <a:schemeClr val="bg1"/>
-                </a:solidFill>
-                <a:latin typeface="Andale Mono" charset="0"/>
-                <a:ea typeface="Andale Mono" charset="0"/>
-                <a:cs typeface="Andale Mono" charset="0"/>
-              </a:rPr>
-              <a:t>pro </a:t>
+              <a:t> pro </a:t>
             </a:r>
             <a:br>
               <a:rPr lang="en-US" altLang="ko-KR" sz="1800" b="1" dirty="0" smtClean="0">
@@ -11359,7 +11283,7 @@
           <a:graphicData uri="http://schemas.openxmlformats.org/presentationml/2006/ole">
             <mc:AlternateContent xmlns:mc="http://schemas.openxmlformats.org/markup-compatibility/2006">
               <mc:Choice xmlns:v="urn:schemas-microsoft-com:vml" Requires="v">
-                <p:oleObj spid="_x0000_s12435" name="Dokument" r:id="rId5" imgW="5651500" imgH="3098800" progId="Word.Document.12">
+                <p:oleObj spid="_x0000_s12440" name="Dokument" r:id="rId5" imgW="5651500" imgH="3098800" progId="Word.Document.12">
                   <p:embed/>
                 </p:oleObj>
               </mc:Choice>
@@ -11416,7 +11340,7 @@
           <a:graphicData uri="http://schemas.openxmlformats.org/presentationml/2006/ole">
             <mc:AlternateContent xmlns:mc="http://schemas.openxmlformats.org/markup-compatibility/2006">
               <mc:Choice xmlns:v="urn:schemas-microsoft-com:vml" Requires="v">
-                <p:oleObj spid="_x0000_s12436" name="Dokument" r:id="rId7" imgW="6413500" imgH="3429000" progId="Word.Document.12">
+                <p:oleObj spid="_x0000_s12441" name="Dokument" r:id="rId7" imgW="6413500" imgH="3429000" progId="Word.Document.12">
                   <p:embed/>
                 </p:oleObj>
               </mc:Choice>
@@ -12079,25 +12003,25 @@
           <p:nvPr>
             <p:extLst>
               <p:ext uri="{D42A27DB-BD31-4B8C-83A1-F6EECF244321}">
-                <p14:modId xmlns:p14="http://schemas.microsoft.com/office/powerpoint/2010/main" val="1642763527"/>
+                <p14:modId xmlns:p14="http://schemas.microsoft.com/office/powerpoint/2010/main" val="1823783356"/>
               </p:ext>
             </p:extLst>
           </p:nvPr>
         </p:nvGraphicFramePr>
         <p:xfrm>
-          <a:off x="2699792" y="2132649"/>
-          <a:ext cx="5969000" cy="1282700"/>
+          <a:off x="2897188" y="2132013"/>
+          <a:ext cx="5575300" cy="1282700"/>
         </p:xfrm>
         <a:graphic>
           <a:graphicData uri="http://schemas.openxmlformats.org/presentationml/2006/ole">
             <mc:AlternateContent xmlns:mc="http://schemas.openxmlformats.org/markup-compatibility/2006">
               <mc:Choice xmlns:v="urn:schemas-microsoft-com:vml" Requires="v">
-                <p:oleObj spid="_x0000_s9310" name="Dokument" r:id="rId5" imgW="5969000" imgH="1282700" progId="Word.Document.12">
+                <p:oleObj spid="_x0000_s9313" name="Dokument" r:id="rId5" imgW="5575300" imgH="1282700" progId="Word.Document.12">
                   <p:embed/>
                 </p:oleObj>
               </mc:Choice>
               <mc:Fallback>
-                <p:oleObj name="Dokument" r:id="rId5" imgW="5969000" imgH="1282700" progId="Word.Document.12">
+                <p:oleObj name="Dokument" r:id="rId5" imgW="5575300" imgH="1282700" progId="Word.Document.12">
                   <p:embed/>
                   <p:pic>
                     <p:nvPicPr>
@@ -12113,8 +12037,8 @@
                     </p:blipFill>
                     <p:spPr>
                       <a:xfrm>
-                        <a:off x="2699792" y="2132649"/>
-                        <a:ext cx="5969000" cy="1282700"/>
+                        <a:off x="2897188" y="2132013"/>
+                        <a:ext cx="5575300" cy="1282700"/>
                       </a:xfrm>
                       <a:prstGeom prst="rect">
                         <a:avLst/>
@@ -12135,7 +12059,7 @@
         </p:nvSpPr>
         <p:spPr>
           <a:xfrm>
-            <a:off x="2627785" y="3038638"/>
+            <a:off x="2627785" y="3075806"/>
             <a:ext cx="5976664" cy="1708160"/>
           </a:xfrm>
           <a:prstGeom prst="rect">
@@ -12632,7 +12556,7 @@
               </a:tabLst>
             </a:pPr>
             <a:r>
-              <a:rPr lang="cs-CZ" sz="1200" b="1" dirty="0" err="1">
+              <a:rPr lang="cs-CZ" sz="1200" b="1" dirty="0" err="1" smtClean="0">
                 <a:solidFill>
                   <a:srgbClr val="595959"/>
                 </a:solidFill>
@@ -12640,7 +12564,7 @@
                 <a:ea typeface="Andale Mono" charset="0"/>
                 <a:cs typeface="Andale Mono" charset="0"/>
               </a:rPr>
-              <a:t>mySensVals</a:t>
+              <a:t>mySendVals</a:t>
             </a:r>
             <a:r>
               <a:rPr lang="en-US" sz="1200" b="1" dirty="0">
@@ -13441,25 +13365,25 @@
           <p:nvPr>
             <p:extLst>
               <p:ext uri="{D42A27DB-BD31-4B8C-83A1-F6EECF244321}">
-                <p14:modId xmlns:p14="http://schemas.microsoft.com/office/powerpoint/2010/main" val="1837931502"/>
+                <p14:modId xmlns:p14="http://schemas.microsoft.com/office/powerpoint/2010/main" val="1422612283"/>
               </p:ext>
             </p:extLst>
           </p:nvPr>
         </p:nvGraphicFramePr>
         <p:xfrm>
-          <a:off x="2771800" y="1992552"/>
-          <a:ext cx="5969000" cy="2273300"/>
+          <a:off x="2968625" y="1992313"/>
+          <a:ext cx="5575300" cy="2273300"/>
         </p:xfrm>
         <a:graphic>
           <a:graphicData uri="http://schemas.openxmlformats.org/presentationml/2006/ole">
             <mc:AlternateContent xmlns:mc="http://schemas.openxmlformats.org/markup-compatibility/2006">
               <mc:Choice xmlns:v="urn:schemas-microsoft-com:vml" Requires="v">
-                <p:oleObj spid="_x0000_s14379" name="Dokument" r:id="rId5" imgW="5969000" imgH="2273300" progId="Word.Document.12">
+                <p:oleObj spid="_x0000_s14382" name="Dokument" r:id="rId5" imgW="5575300" imgH="2273300" progId="Word.Document.12">
                   <p:embed/>
                 </p:oleObj>
               </mc:Choice>
               <mc:Fallback>
-                <p:oleObj name="Dokument" r:id="rId5" imgW="5969000" imgH="2273300" progId="Word.Document.12">
+                <p:oleObj name="Dokument" r:id="rId5" imgW="5575300" imgH="2273300" progId="Word.Document.12">
                   <p:embed/>
                   <p:pic>
                     <p:nvPicPr>
@@ -13475,8 +13399,8 @@
                     </p:blipFill>
                     <p:spPr>
                       <a:xfrm>
-                        <a:off x="2771800" y="1992552"/>
-                        <a:ext cx="5969000" cy="2273300"/>
+                        <a:off x="2968625" y="1992313"/>
+                        <a:ext cx="5575300" cy="2273300"/>
                       </a:xfrm>
                       <a:prstGeom prst="rect">
                         <a:avLst/>
@@ -14542,18 +14466,7 @@
                 <a:ea typeface="Andale Mono" charset="0"/>
                 <a:cs typeface="Andale Mono" charset="0"/>
               </a:rPr>
-              <a:t> </a:t>
-            </a:r>
-            <a:r>
-              <a:rPr lang="en-US" altLang="ko-KR" sz="1800" b="1" dirty="0" smtClean="0">
-                <a:solidFill>
-                  <a:schemeClr val="bg1"/>
-                </a:solidFill>
-                <a:latin typeface="Andale Mono" charset="0"/>
-                <a:ea typeface="Andale Mono" charset="0"/>
-                <a:cs typeface="Andale Mono" charset="0"/>
-              </a:rPr>
-              <a:t>pro </a:t>
+              <a:t> pro </a:t>
             </a:r>
             <a:br>
               <a:rPr lang="en-US" altLang="ko-KR" sz="1800" b="1" dirty="0" smtClean="0">
@@ -14720,14 +14633,6 @@
               </a:rPr>
               <a:t>Upravte otevřený program s vlastní funkcí tak, aby čísla pinů byla nahrazena odkazem na prvky pole.</a:t>
             </a:r>
-            <a:endParaRPr lang="cs-CZ" sz="1600" b="1" dirty="0">
-              <a:solidFill>
-                <a:srgbClr val="AB7942"/>
-              </a:solidFill>
-              <a:latin typeface="Andale Mono" charset="0"/>
-              <a:ea typeface="Andale Mono" charset="0"/>
-              <a:cs typeface="Andale Mono" charset="0"/>
-            </a:endParaRPr>
           </a:p>
         </p:txBody>
       </p:sp>
@@ -14783,7 +14688,7 @@
           <a:graphicData uri="http://schemas.openxmlformats.org/presentationml/2006/ole">
             <mc:AlternateContent xmlns:mc="http://schemas.openxmlformats.org/markup-compatibility/2006">
               <mc:Choice xmlns:v="urn:schemas-microsoft-com:vml" Requires="v">
-                <p:oleObj spid="_x0000_s11490" name="Dokument" r:id="rId5" imgW="5575300" imgH="2197100" progId="Word.Document.12">
+                <p:oleObj spid="_x0000_s11495" name="Dokument" r:id="rId5" imgW="5575300" imgH="2197100" progId="Word.Document.12">
                   <p:embed/>
                 </p:oleObj>
               </mc:Choice>
@@ -14840,7 +14745,7 @@
           <a:graphicData uri="http://schemas.openxmlformats.org/presentationml/2006/ole">
             <mc:AlternateContent xmlns:mc="http://schemas.openxmlformats.org/markup-compatibility/2006">
               <mc:Choice xmlns:v="urn:schemas-microsoft-com:vml" Requires="v">
-                <p:oleObj spid="_x0000_s11491" name="Dokument" r:id="rId7" imgW="5575300" imgH="2857500" progId="Word.Document.12">
+                <p:oleObj spid="_x0000_s11496" name="Dokument" r:id="rId7" imgW="5575300" imgH="2857500" progId="Word.Document.12">
                   <p:embed/>
                 </p:oleObj>
               </mc:Choice>
@@ -15284,18 +15189,7 @@
                 <a:ea typeface="Andale Mono" charset="0"/>
                 <a:cs typeface="Andale Mono" charset="0"/>
               </a:rPr>
-              <a:t> </a:t>
-            </a:r>
-            <a:r>
-              <a:rPr lang="en-US" altLang="ko-KR" sz="1800" b="1" dirty="0" smtClean="0">
-                <a:solidFill>
-                  <a:schemeClr val="bg1"/>
-                </a:solidFill>
-                <a:latin typeface="Andale Mono" charset="0"/>
-                <a:ea typeface="Andale Mono" charset="0"/>
-                <a:cs typeface="Andale Mono" charset="0"/>
-              </a:rPr>
-              <a:t>pro </a:t>
+              <a:t> pro </a:t>
             </a:r>
             <a:br>
               <a:rPr lang="en-US" altLang="ko-KR" sz="1800" b="1" dirty="0" smtClean="0">
@@ -15462,14 +15356,6 @@
               </a:rPr>
               <a:t>Změňte směr běžícího světla z opačné strany. </a:t>
             </a:r>
-            <a:endParaRPr lang="cs-CZ" sz="1600" b="1" dirty="0">
-              <a:solidFill>
-                <a:srgbClr val="AB7942"/>
-              </a:solidFill>
-              <a:latin typeface="Andale Mono" charset="0"/>
-              <a:ea typeface="Andale Mono" charset="0"/>
-              <a:cs typeface="Andale Mono" charset="0"/>
-            </a:endParaRPr>
           </a:p>
         </p:txBody>
       </p:sp>
@@ -15558,7 +15444,7 @@
           <a:graphicData uri="http://schemas.openxmlformats.org/presentationml/2006/ole">
             <mc:AlternateContent xmlns:mc="http://schemas.openxmlformats.org/markup-compatibility/2006">
               <mc:Choice xmlns:v="urn:schemas-microsoft-com:vml" Requires="v">
-                <p:oleObj spid="_x0000_s13413" name="Dokument" r:id="rId5" imgW="5575300" imgH="711200" progId="Word.Document.12">
+                <p:oleObj spid="_x0000_s13416" name="Dokument" r:id="rId5" imgW="5575300" imgH="711200" progId="Word.Document.12">
                   <p:embed/>
                 </p:oleObj>
               </mc:Choice>
